--- a/travelLog.pptx
+++ b/travelLog.pptx
@@ -116,6 +116,11 @@
       </a:defRPr>
     </a:lvl9pPr>
   </p:defaultTextStyle>
+  <p:extLst>
+    <p:ext uri="{EFAFB233-063F-42B5-8137-9DF3F51BA10A}">
+      <p15:sldGuideLst xmlns:p15="http://schemas.microsoft.com/office/powerpoint/2012/main"/>
+    </p:ext>
+  </p:extLst>
 </p:presentation>
 </file>
 
@@ -250,7 +255,7 @@
           <a:p>
             <a:fld id="{5B6606A3-72F1-4513-923A-5FA4AC37BCE1}" type="datetimeFigureOut">
               <a:rPr lang="ko-KR" altLang="en-US" smtClean="0"/>
-              <a:t>2023-01-03</a:t>
+              <a:t>2023-01-04</a:t>
             </a:fld>
             <a:endParaRPr lang="ko-KR" altLang="en-US"/>
           </a:p>
@@ -420,7 +425,7 @@
           <a:p>
             <a:fld id="{5B6606A3-72F1-4513-923A-5FA4AC37BCE1}" type="datetimeFigureOut">
               <a:rPr lang="ko-KR" altLang="en-US" smtClean="0"/>
-              <a:t>2023-01-03</a:t>
+              <a:t>2023-01-04</a:t>
             </a:fld>
             <a:endParaRPr lang="ko-KR" altLang="en-US"/>
           </a:p>
@@ -600,7 +605,7 @@
           <a:p>
             <a:fld id="{5B6606A3-72F1-4513-923A-5FA4AC37BCE1}" type="datetimeFigureOut">
               <a:rPr lang="ko-KR" altLang="en-US" smtClean="0"/>
-              <a:t>2023-01-03</a:t>
+              <a:t>2023-01-04</a:t>
             </a:fld>
             <a:endParaRPr lang="ko-KR" altLang="en-US"/>
           </a:p>
@@ -770,7 +775,7 @@
           <a:p>
             <a:fld id="{5B6606A3-72F1-4513-923A-5FA4AC37BCE1}" type="datetimeFigureOut">
               <a:rPr lang="ko-KR" altLang="en-US" smtClean="0"/>
-              <a:t>2023-01-03</a:t>
+              <a:t>2023-01-04</a:t>
             </a:fld>
             <a:endParaRPr lang="ko-KR" altLang="en-US"/>
           </a:p>
@@ -1016,7 +1021,7 @@
           <a:p>
             <a:fld id="{5B6606A3-72F1-4513-923A-5FA4AC37BCE1}" type="datetimeFigureOut">
               <a:rPr lang="ko-KR" altLang="en-US" smtClean="0"/>
-              <a:t>2023-01-03</a:t>
+              <a:t>2023-01-04</a:t>
             </a:fld>
             <a:endParaRPr lang="ko-KR" altLang="en-US"/>
           </a:p>
@@ -1248,7 +1253,7 @@
           <a:p>
             <a:fld id="{5B6606A3-72F1-4513-923A-5FA4AC37BCE1}" type="datetimeFigureOut">
               <a:rPr lang="ko-KR" altLang="en-US" smtClean="0"/>
-              <a:t>2023-01-03</a:t>
+              <a:t>2023-01-04</a:t>
             </a:fld>
             <a:endParaRPr lang="ko-KR" altLang="en-US"/>
           </a:p>
@@ -1615,7 +1620,7 @@
           <a:p>
             <a:fld id="{5B6606A3-72F1-4513-923A-5FA4AC37BCE1}" type="datetimeFigureOut">
               <a:rPr lang="ko-KR" altLang="en-US" smtClean="0"/>
-              <a:t>2023-01-03</a:t>
+              <a:t>2023-01-04</a:t>
             </a:fld>
             <a:endParaRPr lang="ko-KR" altLang="en-US"/>
           </a:p>
@@ -1733,7 +1738,7 @@
           <a:p>
             <a:fld id="{5B6606A3-72F1-4513-923A-5FA4AC37BCE1}" type="datetimeFigureOut">
               <a:rPr lang="ko-KR" altLang="en-US" smtClean="0"/>
-              <a:t>2023-01-03</a:t>
+              <a:t>2023-01-04</a:t>
             </a:fld>
             <a:endParaRPr lang="ko-KR" altLang="en-US"/>
           </a:p>
@@ -1828,7 +1833,7 @@
           <a:p>
             <a:fld id="{5B6606A3-72F1-4513-923A-5FA4AC37BCE1}" type="datetimeFigureOut">
               <a:rPr lang="ko-KR" altLang="en-US" smtClean="0"/>
-              <a:t>2023-01-03</a:t>
+              <a:t>2023-01-04</a:t>
             </a:fld>
             <a:endParaRPr lang="ko-KR" altLang="en-US"/>
           </a:p>
@@ -2105,7 +2110,7 @@
           <a:p>
             <a:fld id="{5B6606A3-72F1-4513-923A-5FA4AC37BCE1}" type="datetimeFigureOut">
               <a:rPr lang="ko-KR" altLang="en-US" smtClean="0"/>
-              <a:t>2023-01-03</a:t>
+              <a:t>2023-01-04</a:t>
             </a:fld>
             <a:endParaRPr lang="ko-KR" altLang="en-US"/>
           </a:p>
@@ -2358,7 +2363,7 @@
           <a:p>
             <a:fld id="{5B6606A3-72F1-4513-923A-5FA4AC37BCE1}" type="datetimeFigureOut">
               <a:rPr lang="ko-KR" altLang="en-US" smtClean="0"/>
-              <a:t>2023-01-03</a:t>
+              <a:t>2023-01-04</a:t>
             </a:fld>
             <a:endParaRPr lang="ko-KR" altLang="en-US"/>
           </a:p>
@@ -2571,7 +2576,7 @@
           <a:p>
             <a:fld id="{5B6606A3-72F1-4513-923A-5FA4AC37BCE1}" type="datetimeFigureOut">
               <a:rPr lang="ko-KR" altLang="en-US" smtClean="0"/>
-              <a:t>2023-01-03</a:t>
+              <a:t>2023-01-04</a:t>
             </a:fld>
             <a:endParaRPr lang="ko-KR" altLang="en-US"/>
           </a:p>
@@ -3011,11 +3016,23 @@
             <p:ph type="subTitle" idx="1"/>
           </p:nvPr>
         </p:nvSpPr>
-        <p:spPr/>
-        <p:txBody>
-          <a:bodyPr/>
-          <a:lstStyle/>
-          <a:p>
+        <p:spPr>
+          <a:xfrm>
+            <a:off x="1524000" y="3969835"/>
+            <a:ext cx="9144000" cy="1661533"/>
+          </a:xfrm>
+        </p:spPr>
+        <p:txBody>
+          <a:bodyPr>
+            <a:normAutofit/>
+          </a:bodyPr>
+          <a:lstStyle/>
+          <a:p>
+            <a:pPr>
+              <a:lnSpc>
+                <a:spcPct val="160000"/>
+              </a:lnSpc>
+            </a:pPr>
             <a:r>
               <a:rPr lang="ko-KR" altLang="en-US" dirty="0" smtClean="0"/>
               <a:t>프로젝트 기반 </a:t>
@@ -3043,6 +3060,11 @@
             <a:endParaRPr lang="en-US" altLang="ko-KR" dirty="0" smtClean="0"/>
           </a:p>
           <a:p>
+            <a:pPr>
+              <a:lnSpc>
+                <a:spcPct val="160000"/>
+              </a:lnSpc>
+            </a:pPr>
             <a:r>
               <a:rPr lang="en-US" altLang="ko-KR" dirty="0" smtClean="0"/>
               <a:t>- </a:t>
@@ -3557,20 +3579,16 @@
               <a:t>3. </a:t>
             </a:r>
             <a:r>
-              <a:rPr lang="ko-KR" altLang="en-US" sz="2200" dirty="0" err="1" smtClean="0"/>
-              <a:t>다크모드</a:t>
-            </a:r>
-            <a:r>
               <a:rPr lang="ko-KR" altLang="en-US" sz="2200" dirty="0" smtClean="0"/>
-              <a:t> 와 대체 이미지 </a:t>
-            </a:r>
-            <a:r>
-              <a:rPr lang="en-US" altLang="ko-KR" sz="2200" dirty="0" smtClean="0"/>
-              <a:t>&amp; </a:t>
+              <a:t>선택한 모드를 </a:t>
             </a:r>
             <a:r>
               <a:rPr lang="ko-KR" altLang="en-US" sz="2200" dirty="0" smtClean="0"/>
-              <a:t>로컬스토리지에 사용자 선택 환경 저장 기능</a:t>
+              <a:t>로컬스토리지에 </a:t>
+            </a:r>
+            <a:r>
+              <a:rPr lang="ko-KR" altLang="en-US" sz="2200" dirty="0" smtClean="0"/>
+              <a:t>저장하여 사용자의 편의 도모</a:t>
             </a:r>
             <a:endParaRPr lang="ko-KR" altLang="en-US" sz="2200" dirty="0"/>
           </a:p>
@@ -3823,6 +3841,54 @@
           <a:chExt cx="0" cy="0"/>
         </a:xfrm>
       </p:grpSpPr>
+      <p:pic>
+        <p:nvPicPr>
+          <p:cNvPr id="8" name="그림 7"/>
+          <p:cNvPicPr>
+            <a:picLocks noChangeAspect="1"/>
+          </p:cNvPicPr>
+          <p:nvPr/>
+        </p:nvPicPr>
+        <p:blipFill>
+          <a:blip r:embed="rId2"/>
+          <a:stretch>
+            <a:fillRect/>
+          </a:stretch>
+        </p:blipFill>
+        <p:spPr>
+          <a:xfrm>
+            <a:off x="1299204" y="2207310"/>
+            <a:ext cx="1917833" cy="3948164"/>
+          </a:xfrm>
+          <a:prstGeom prst="rect">
+            <a:avLst/>
+          </a:prstGeom>
+        </p:spPr>
+      </p:pic>
+      <p:pic>
+        <p:nvPicPr>
+          <p:cNvPr id="16" name="그림 15"/>
+          <p:cNvPicPr>
+            <a:picLocks noChangeAspect="1"/>
+          </p:cNvPicPr>
+          <p:nvPr/>
+        </p:nvPicPr>
+        <p:blipFill>
+          <a:blip r:embed="rId3"/>
+          <a:stretch>
+            <a:fillRect/>
+          </a:stretch>
+        </p:blipFill>
+        <p:spPr>
+          <a:xfrm>
+            <a:off x="4878058" y="2330605"/>
+            <a:ext cx="5229846" cy="3635453"/>
+          </a:xfrm>
+          <a:prstGeom prst="rect">
+            <a:avLst/>
+          </a:prstGeom>
+        </p:spPr>
+      </p:pic>
       <p:sp>
         <p:nvSpPr>
           <p:cNvPr id="2" name="제목 1"/>
@@ -3890,12 +3956,8 @@
               <a:t>1. </a:t>
             </a:r>
             <a:r>
-              <a:rPr lang="ko-KR" altLang="en-US" sz="2200" dirty="0" smtClean="0"/>
-              <a:t>갤럭시 </a:t>
-            </a:r>
-            <a:r>
               <a:rPr lang="en-US" altLang="ko-KR" sz="2200" dirty="0" smtClean="0"/>
-              <a:t>s8+</a:t>
+              <a:t>Smart phone</a:t>
             </a:r>
             <a:endParaRPr lang="ko-KR" altLang="en-US" sz="2200" dirty="0"/>
           </a:p>
@@ -4039,30 +4101,6 @@
           </a:p>
         </p:txBody>
       </p:sp>
-      <p:pic>
-        <p:nvPicPr>
-          <p:cNvPr id="8" name="그림 7"/>
-          <p:cNvPicPr>
-            <a:picLocks noChangeAspect="1"/>
-          </p:cNvPicPr>
-          <p:nvPr/>
-        </p:nvPicPr>
-        <p:blipFill>
-          <a:blip r:embed="rId2"/>
-          <a:stretch>
-            <a:fillRect/>
-          </a:stretch>
-        </p:blipFill>
-        <p:spPr>
-          <a:xfrm>
-            <a:off x="786249" y="2240763"/>
-            <a:ext cx="1917833" cy="3948164"/>
-          </a:xfrm>
-          <a:prstGeom prst="rect">
-            <a:avLst/>
-          </a:prstGeom>
-        </p:spPr>
-      </p:pic>
       <p:sp>
         <p:nvSpPr>
           <p:cNvPr id="11" name="부제목 2"/>
@@ -4260,241 +4298,58 @@
       </p:sp>
       <p:pic>
         <p:nvPicPr>
-          <p:cNvPr id="12" name="그림 11"/>
+          <p:cNvPr id="15" name="그림 14"/>
           <p:cNvPicPr>
             <a:picLocks noChangeAspect="1"/>
           </p:cNvPicPr>
           <p:nvPr/>
         </p:nvPicPr>
         <p:blipFill>
-          <a:blip r:embed="rId3"/>
+          <a:blip r:embed="rId4">
+            <a:extLst>
+              <a:ext uri="{28A0092B-C50C-407E-A947-70E740481C1C}">
+                <a14:useLocalDpi xmlns:a14="http://schemas.microsoft.com/office/drawing/2010/main" val="0"/>
+              </a:ext>
+            </a:extLst>
+          </a:blip>
           <a:stretch>
             <a:fillRect/>
           </a:stretch>
         </p:blipFill>
         <p:spPr>
           <a:xfrm>
-            <a:off x="4484980" y="2180125"/>
-            <a:ext cx="2780130" cy="4008802"/>
+            <a:off x="4622831" y="2102004"/>
+            <a:ext cx="5703198" cy="4098073"/>
           </a:xfrm>
           <a:prstGeom prst="rect">
             <a:avLst/>
           </a:prstGeom>
         </p:spPr>
       </p:pic>
-      <p:sp>
-        <p:nvSpPr>
-          <p:cNvPr id="13" name="부제목 2"/>
-          <p:cNvSpPr txBox="1">
-            <a:spLocks/>
-          </p:cNvSpPr>
-          <p:nvPr/>
-        </p:nvSpPr>
-        <p:spPr>
-          <a:xfrm>
-            <a:off x="8387662" y="1616927"/>
-            <a:ext cx="3200399" cy="4572000"/>
-          </a:xfrm>
-          <a:prstGeom prst="rect">
-            <a:avLst/>
-          </a:prstGeom>
-        </p:spPr>
-        <p:txBody>
-          <a:bodyPr vert="horz" lIns="91440" tIns="45720" rIns="91440" bIns="45720" rtlCol="0">
-            <a:normAutofit/>
-          </a:bodyPr>
-          <a:lstStyle>
-            <a:lvl1pPr marL="0" indent="0" algn="ctr" defTabSz="914400" rtl="0" eaLnBrk="1" latinLnBrk="1" hangingPunct="1">
-              <a:lnSpc>
-                <a:spcPct val="90000"/>
-              </a:lnSpc>
-              <a:spcBef>
-                <a:spcPts val="1000"/>
-              </a:spcBef>
-              <a:buFont typeface="Arial" panose="020B0604020202020204" pitchFamily="34" charset="0"/>
-              <a:buNone/>
-              <a:defRPr sz="2400" kern="1200">
-                <a:solidFill>
-                  <a:schemeClr val="tx1"/>
-                </a:solidFill>
-                <a:latin typeface="+mn-lt"/>
-                <a:ea typeface="+mn-ea"/>
-                <a:cs typeface="+mn-cs"/>
-              </a:defRPr>
-            </a:lvl1pPr>
-            <a:lvl2pPr marL="457200" indent="0" algn="ctr" defTabSz="914400" rtl="0" eaLnBrk="1" latinLnBrk="1" hangingPunct="1">
-              <a:lnSpc>
-                <a:spcPct val="90000"/>
-              </a:lnSpc>
-              <a:spcBef>
-                <a:spcPts val="500"/>
-              </a:spcBef>
-              <a:buFont typeface="Arial" panose="020B0604020202020204" pitchFamily="34" charset="0"/>
-              <a:buNone/>
-              <a:defRPr sz="2000" kern="1200">
-                <a:solidFill>
-                  <a:schemeClr val="tx1"/>
-                </a:solidFill>
-                <a:latin typeface="+mn-lt"/>
-                <a:ea typeface="+mn-ea"/>
-                <a:cs typeface="+mn-cs"/>
-              </a:defRPr>
-            </a:lvl2pPr>
-            <a:lvl3pPr marL="914400" indent="0" algn="ctr" defTabSz="914400" rtl="0" eaLnBrk="1" latinLnBrk="1" hangingPunct="1">
-              <a:lnSpc>
-                <a:spcPct val="90000"/>
-              </a:lnSpc>
-              <a:spcBef>
-                <a:spcPts val="500"/>
-              </a:spcBef>
-              <a:buFont typeface="Arial" panose="020B0604020202020204" pitchFamily="34" charset="0"/>
-              <a:buNone/>
-              <a:defRPr sz="1800" kern="1200">
-                <a:solidFill>
-                  <a:schemeClr val="tx1"/>
-                </a:solidFill>
-                <a:latin typeface="+mn-lt"/>
-                <a:ea typeface="+mn-ea"/>
-                <a:cs typeface="+mn-cs"/>
-              </a:defRPr>
-            </a:lvl3pPr>
-            <a:lvl4pPr marL="1371600" indent="0" algn="ctr" defTabSz="914400" rtl="0" eaLnBrk="1" latinLnBrk="1" hangingPunct="1">
-              <a:lnSpc>
-                <a:spcPct val="90000"/>
-              </a:lnSpc>
-              <a:spcBef>
-                <a:spcPts val="500"/>
-              </a:spcBef>
-              <a:buFont typeface="Arial" panose="020B0604020202020204" pitchFamily="34" charset="0"/>
-              <a:buNone/>
-              <a:defRPr sz="1600" kern="1200">
-                <a:solidFill>
-                  <a:schemeClr val="tx1"/>
-                </a:solidFill>
-                <a:latin typeface="+mn-lt"/>
-                <a:ea typeface="+mn-ea"/>
-                <a:cs typeface="+mn-cs"/>
-              </a:defRPr>
-            </a:lvl4pPr>
-            <a:lvl5pPr marL="1828800" indent="0" algn="ctr" defTabSz="914400" rtl="0" eaLnBrk="1" latinLnBrk="1" hangingPunct="1">
-              <a:lnSpc>
-                <a:spcPct val="90000"/>
-              </a:lnSpc>
-              <a:spcBef>
-                <a:spcPts val="500"/>
-              </a:spcBef>
-              <a:buFont typeface="Arial" panose="020B0604020202020204" pitchFamily="34" charset="0"/>
-              <a:buNone/>
-              <a:defRPr sz="1600" kern="1200">
-                <a:solidFill>
-                  <a:schemeClr val="tx1"/>
-                </a:solidFill>
-                <a:latin typeface="+mn-lt"/>
-                <a:ea typeface="+mn-ea"/>
-                <a:cs typeface="+mn-cs"/>
-              </a:defRPr>
-            </a:lvl5pPr>
-            <a:lvl6pPr marL="2286000" indent="0" algn="ctr" defTabSz="914400" rtl="0" eaLnBrk="1" latinLnBrk="1" hangingPunct="1">
-              <a:lnSpc>
-                <a:spcPct val="90000"/>
-              </a:lnSpc>
-              <a:spcBef>
-                <a:spcPts val="500"/>
-              </a:spcBef>
-              <a:buFont typeface="Arial" panose="020B0604020202020204" pitchFamily="34" charset="0"/>
-              <a:buNone/>
-              <a:defRPr sz="1600" kern="1200">
-                <a:solidFill>
-                  <a:schemeClr val="tx1"/>
-                </a:solidFill>
-                <a:latin typeface="+mn-lt"/>
-                <a:ea typeface="+mn-ea"/>
-                <a:cs typeface="+mn-cs"/>
-              </a:defRPr>
-            </a:lvl6pPr>
-            <a:lvl7pPr marL="2743200" indent="0" algn="ctr" defTabSz="914400" rtl="0" eaLnBrk="1" latinLnBrk="1" hangingPunct="1">
-              <a:lnSpc>
-                <a:spcPct val="90000"/>
-              </a:lnSpc>
-              <a:spcBef>
-                <a:spcPts val="500"/>
-              </a:spcBef>
-              <a:buFont typeface="Arial" panose="020B0604020202020204" pitchFamily="34" charset="0"/>
-              <a:buNone/>
-              <a:defRPr sz="1600" kern="1200">
-                <a:solidFill>
-                  <a:schemeClr val="tx1"/>
-                </a:solidFill>
-                <a:latin typeface="+mn-lt"/>
-                <a:ea typeface="+mn-ea"/>
-                <a:cs typeface="+mn-cs"/>
-              </a:defRPr>
-            </a:lvl7pPr>
-            <a:lvl8pPr marL="3200400" indent="0" algn="ctr" defTabSz="914400" rtl="0" eaLnBrk="1" latinLnBrk="1" hangingPunct="1">
-              <a:lnSpc>
-                <a:spcPct val="90000"/>
-              </a:lnSpc>
-              <a:spcBef>
-                <a:spcPts val="500"/>
-              </a:spcBef>
-              <a:buFont typeface="Arial" panose="020B0604020202020204" pitchFamily="34" charset="0"/>
-              <a:buNone/>
-              <a:defRPr sz="1600" kern="1200">
-                <a:solidFill>
-                  <a:schemeClr val="tx1"/>
-                </a:solidFill>
-                <a:latin typeface="+mn-lt"/>
-                <a:ea typeface="+mn-ea"/>
-                <a:cs typeface="+mn-cs"/>
-              </a:defRPr>
-            </a:lvl8pPr>
-            <a:lvl9pPr marL="3657600" indent="0" algn="ctr" defTabSz="914400" rtl="0" eaLnBrk="1" latinLnBrk="1" hangingPunct="1">
-              <a:lnSpc>
-                <a:spcPct val="90000"/>
-              </a:lnSpc>
-              <a:spcBef>
-                <a:spcPts val="500"/>
-              </a:spcBef>
-              <a:buFont typeface="Arial" panose="020B0604020202020204" pitchFamily="34" charset="0"/>
-              <a:buNone/>
-              <a:defRPr sz="1600" kern="1200">
-                <a:solidFill>
-                  <a:schemeClr val="tx1"/>
-                </a:solidFill>
-                <a:latin typeface="+mn-lt"/>
-                <a:ea typeface="+mn-ea"/>
-                <a:cs typeface="+mn-cs"/>
-              </a:defRPr>
-            </a:lvl9pPr>
-          </a:lstStyle>
-          <a:p>
-            <a:pPr algn="l"/>
-            <a:r>
-              <a:rPr lang="en-US" altLang="ko-KR" sz="2200" dirty="0" smtClean="0"/>
-              <a:t>2. iPhone SE</a:t>
-            </a:r>
-            <a:endParaRPr lang="ko-KR" altLang="en-US" sz="2200" dirty="0"/>
-          </a:p>
-        </p:txBody>
-      </p:sp>
       <p:pic>
         <p:nvPicPr>
-          <p:cNvPr id="14" name="그림 13"/>
+          <p:cNvPr id="18" name="그림 17"/>
           <p:cNvPicPr>
             <a:picLocks noChangeAspect="1"/>
           </p:cNvPicPr>
           <p:nvPr/>
         </p:nvPicPr>
         <p:blipFill>
-          <a:blip r:embed="rId4"/>
+          <a:blip r:embed="rId5" cstate="print">
+            <a:extLst>
+              <a:ext uri="{28A0092B-C50C-407E-A947-70E740481C1C}">
+                <a14:useLocalDpi xmlns:a14="http://schemas.microsoft.com/office/drawing/2010/main" val="0"/>
+              </a:ext>
+            </a:extLst>
+          </a:blip>
           <a:stretch>
             <a:fillRect/>
           </a:stretch>
         </p:blipFill>
         <p:spPr>
           <a:xfrm>
-            <a:off x="8778195" y="2180125"/>
-            <a:ext cx="2232390" cy="3975325"/>
+            <a:off x="1059367" y="1973767"/>
+            <a:ext cx="2751994" cy="4705814"/>
           </a:xfrm>
           <a:prstGeom prst="rect">
             <a:avLst/>
@@ -7195,7 +7050,15 @@
             </a:pPr>
             <a:r>
               <a:rPr lang="en-US" altLang="ko-KR" b="1" dirty="0" smtClean="0"/>
-              <a:t>Background (#222)</a:t>
+              <a:t>Background (#</a:t>
+            </a:r>
+            <a:r>
+              <a:rPr lang="en-US" altLang="ko-KR" b="1" dirty="0" err="1" smtClean="0"/>
+              <a:t>fff</a:t>
+            </a:r>
+            <a:r>
+              <a:rPr lang="en-US" altLang="ko-KR" b="1" dirty="0" smtClean="0"/>
+              <a:t>)</a:t>
             </a:r>
           </a:p>
           <a:p>
@@ -7206,7 +7069,15 @@
             </a:pPr>
             <a:r>
               <a:rPr lang="en-US" altLang="ko-KR" b="1" dirty="0" smtClean="0"/>
-              <a:t>Text color(#f8f8f8)</a:t>
+              <a:t>Text </a:t>
+            </a:r>
+            <a:r>
+              <a:rPr lang="en-US" altLang="ko-KR" b="1" dirty="0" smtClean="0"/>
+              <a:t>color</a:t>
+            </a:r>
+            <a:r>
+              <a:rPr lang="en-US" altLang="ko-KR" b="1" dirty="0" smtClean="0"/>
+              <a:t>(#222)</a:t>
             </a:r>
           </a:p>
           <a:p>
@@ -7221,19 +7092,15 @@
             </a:r>
             <a:r>
               <a:rPr lang="en-US" altLang="ko-KR" b="1" dirty="0" err="1" smtClean="0"/>
-              <a:t>hsla</a:t>
+              <a:t>rgba</a:t>
             </a:r>
             <a:r>
               <a:rPr lang="en-US" altLang="ko-KR" b="1" dirty="0" smtClean="0"/>
-              <a:t>(0,0</a:t>
+              <a:t>(235</a:t>
             </a:r>
             <a:r>
               <a:rPr lang="en-US" altLang="ko-KR" b="1" dirty="0"/>
-              <a:t>%,100%, 0.1</a:t>
-            </a:r>
-            <a:r>
-              <a:rPr lang="en-US" altLang="ko-KR" b="1" dirty="0" smtClean="0"/>
-              <a:t>)</a:t>
+              <a:t>, 235, 235, 0.3)</a:t>
             </a:r>
           </a:p>
           <a:p>
@@ -7244,9 +7111,16 @@
             </a:pPr>
             <a:r>
               <a:rPr lang="en-US" altLang="ko-KR" b="1" dirty="0" smtClean="0"/>
-              <a:t>Box color (#2c2c2c)</a:t>
-            </a:r>
-            <a:endParaRPr lang="en-US" altLang="ko-KR" b="1" dirty="0"/>
+              <a:t>Box color (#</a:t>
+            </a:r>
+            <a:r>
+              <a:rPr lang="en-US" altLang="ko-KR" b="1" dirty="0" err="1" smtClean="0"/>
+              <a:t>fafafa</a:t>
+            </a:r>
+            <a:r>
+              <a:rPr lang="en-US" altLang="ko-KR" b="1" dirty="0" smtClean="0"/>
+              <a:t>)</a:t>
+            </a:r>
           </a:p>
           <a:p>
             <a:pPr algn="ctr"/>
@@ -7822,11 +7696,7 @@
             </a:r>
             <a:r>
               <a:rPr lang="ko-KR" altLang="en-US" sz="2000" b="1" dirty="0" smtClean="0"/>
-              <a:t>페이퍼 </a:t>
-            </a:r>
-            <a:r>
-              <a:rPr lang="ko-KR" altLang="en-US" sz="2000" b="1" dirty="0" err="1" smtClean="0"/>
-              <a:t>프로토타입</a:t>
+              <a:t>스케치</a:t>
             </a:r>
             <a:endParaRPr lang="ko-KR" altLang="en-US" sz="1200" dirty="0"/>
           </a:p>
@@ -7844,7 +7714,7 @@
         </p:nvSpPr>
         <p:spPr>
           <a:xfrm>
-            <a:off x="1260083" y="1616927"/>
+            <a:off x="418173" y="1616927"/>
             <a:ext cx="4783872" cy="4572000"/>
           </a:xfrm>
         </p:spPr>
@@ -7861,20 +7731,12 @@
             </a:r>
             <a:r>
               <a:rPr lang="ko-KR" altLang="en-US" sz="2200" dirty="0" smtClean="0"/>
-              <a:t>타이틀 및 강조 </a:t>
-            </a:r>
-            <a:r>
-              <a:rPr lang="en-US" altLang="ko-KR" sz="2200" dirty="0" smtClean="0"/>
-              <a:t>: Do </a:t>
-            </a:r>
-            <a:r>
-              <a:rPr lang="en-US" altLang="ko-KR" sz="2200" dirty="0" err="1" smtClean="0"/>
-              <a:t>Hyeon</a:t>
-            </a:r>
-            <a:endParaRPr lang="en-US" altLang="ko-KR" sz="2200" dirty="0" smtClean="0"/>
-          </a:p>
-          <a:p>
-            <a:pPr algn="l"/>
+              <a:t>페이퍼 </a:t>
+            </a:r>
+            <a:r>
+              <a:rPr lang="ko-KR" altLang="en-US" sz="2200" dirty="0" err="1" smtClean="0"/>
+              <a:t>프로토타입</a:t>
+            </a:r>
             <a:endParaRPr lang="ko-KR" altLang="en-US" sz="2200" dirty="0"/>
           </a:p>
         </p:txBody>
@@ -8017,30 +7879,6 @@
           </a:p>
         </p:txBody>
       </p:sp>
-      <p:pic>
-        <p:nvPicPr>
-          <p:cNvPr id="9" name="그림 8"/>
-          <p:cNvPicPr>
-            <a:picLocks noChangeAspect="1"/>
-          </p:cNvPicPr>
-          <p:nvPr/>
-        </p:nvPicPr>
-        <p:blipFill>
-          <a:blip r:embed="rId2"/>
-          <a:stretch>
-            <a:fillRect/>
-          </a:stretch>
-        </p:blipFill>
-        <p:spPr>
-          <a:xfrm>
-            <a:off x="1541068" y="2181806"/>
-            <a:ext cx="4314825" cy="3743325"/>
-          </a:xfrm>
-          <a:prstGeom prst="rect">
-            <a:avLst/>
-          </a:prstGeom>
-        </p:spPr>
-      </p:pic>
       <p:sp>
         <p:nvSpPr>
           <p:cNvPr id="10" name="부제목 2"/>
@@ -8051,7 +7889,7 @@
         </p:nvSpPr>
         <p:spPr>
           <a:xfrm>
-            <a:off x="6341327" y="1616927"/>
+            <a:off x="5337717" y="1616927"/>
             <a:ext cx="4783872" cy="4572000"/>
           </a:xfrm>
           <a:prstGeom prst="rect">
@@ -8234,11 +8072,11 @@
             </a:r>
             <a:r>
               <a:rPr lang="ko-KR" altLang="en-US" sz="2200" dirty="0" smtClean="0"/>
-              <a:t>본문 및 일반 </a:t>
+              <a:t>디지털 </a:t>
             </a:r>
             <a:r>
               <a:rPr lang="en-US" altLang="ko-KR" sz="2200" dirty="0" smtClean="0"/>
-              <a:t>: Dongle</a:t>
+              <a:t>Mock-up</a:t>
             </a:r>
             <a:endParaRPr lang="ko-KR" altLang="en-US" sz="2200" dirty="0"/>
           </a:p>
@@ -8246,7 +8084,31 @@
       </p:sp>
       <p:pic>
         <p:nvPicPr>
-          <p:cNvPr id="11" name="그림 10"/>
+          <p:cNvPr id="7" name="그림 6"/>
+          <p:cNvPicPr>
+            <a:picLocks noChangeAspect="1"/>
+          </p:cNvPicPr>
+          <p:nvPr/>
+        </p:nvPicPr>
+        <p:blipFill>
+          <a:blip r:embed="rId2"/>
+          <a:stretch>
+            <a:fillRect/>
+          </a:stretch>
+        </p:blipFill>
+        <p:spPr>
+          <a:xfrm>
+            <a:off x="6043079" y="2085277"/>
+            <a:ext cx="1549891" cy="4019681"/>
+          </a:xfrm>
+          <a:prstGeom prst="rect">
+            <a:avLst/>
+          </a:prstGeom>
+        </p:spPr>
+      </p:pic>
+      <p:pic>
+        <p:nvPicPr>
+          <p:cNvPr id="8" name="그림 7"/>
           <p:cNvPicPr>
             <a:picLocks noChangeAspect="1"/>
           </p:cNvPicPr>
@@ -8260,8 +8122,68 @@
         </p:blipFill>
         <p:spPr>
           <a:xfrm>
-            <a:off x="6531532" y="2214504"/>
-            <a:ext cx="4191585" cy="2495898"/>
+            <a:off x="8397578" y="2085276"/>
+            <a:ext cx="3043572" cy="4038359"/>
+          </a:xfrm>
+          <a:prstGeom prst="rect">
+            <a:avLst/>
+          </a:prstGeom>
+        </p:spPr>
+      </p:pic>
+      <p:pic>
+        <p:nvPicPr>
+          <p:cNvPr id="12" name="그림 11"/>
+          <p:cNvPicPr>
+            <a:picLocks noChangeAspect="1"/>
+          </p:cNvPicPr>
+          <p:nvPr/>
+        </p:nvPicPr>
+        <p:blipFill>
+          <a:blip r:embed="rId4" cstate="print">
+            <a:extLst>
+              <a:ext uri="{28A0092B-C50C-407E-A947-70E740481C1C}">
+                <a14:useLocalDpi xmlns:a14="http://schemas.microsoft.com/office/drawing/2010/main" val="0"/>
+              </a:ext>
+            </a:extLst>
+          </a:blip>
+          <a:stretch>
+            <a:fillRect/>
+          </a:stretch>
+        </p:blipFill>
+        <p:spPr>
+          <a:xfrm rot="16200000">
+            <a:off x="1039611" y="1782465"/>
+            <a:ext cx="2753569" cy="3671426"/>
+          </a:xfrm>
+          <a:prstGeom prst="rect">
+            <a:avLst/>
+          </a:prstGeom>
+        </p:spPr>
+      </p:pic>
+      <p:pic>
+        <p:nvPicPr>
+          <p:cNvPr id="13" name="그림 12"/>
+          <p:cNvPicPr>
+            <a:picLocks noChangeAspect="1"/>
+          </p:cNvPicPr>
+          <p:nvPr/>
+        </p:nvPicPr>
+        <p:blipFill>
+          <a:blip r:embed="rId5" cstate="print">
+            <a:extLst>
+              <a:ext uri="{28A0092B-C50C-407E-A947-70E740481C1C}">
+                <a14:useLocalDpi xmlns:a14="http://schemas.microsoft.com/office/drawing/2010/main" val="0"/>
+              </a:ext>
+            </a:extLst>
+          </a:blip>
+          <a:stretch>
+            <a:fillRect/>
+          </a:stretch>
+        </p:blipFill>
+        <p:spPr>
+          <a:xfrm rot="16200000">
+            <a:off x="1457765" y="2304622"/>
+            <a:ext cx="3023375" cy="4031167"/>
           </a:xfrm>
           <a:prstGeom prst="rect">
             <a:avLst/>
